--- a/trunk/src_matlab/GazeEegLabImporter/docs/GazeEegLabImporter.pptx
+++ b/trunk/src_matlab/GazeEegLabImporter/docs/GazeEegLabImporter.pptx
@@ -5,12 +5,14 @@
     <p:sldMasterId id="2147483648" r:id="rId1"/>
   </p:sldMasterIdLst>
   <p:notesMasterIdLst>
-    <p:notesMasterId r:id="rId5"/>
+    <p:notesMasterId r:id="rId7"/>
   </p:notesMasterIdLst>
   <p:sldIdLst>
     <p:sldId id="257" r:id="rId2"/>
     <p:sldId id="256" r:id="rId3"/>
     <p:sldId id="258" r:id="rId4"/>
+    <p:sldId id="259" r:id="rId5"/>
+    <p:sldId id="260" r:id="rId6"/>
   </p:sldIdLst>
   <p:sldSz cx="12192000" cy="6858000"/>
   <p:notesSz cx="6794500" cy="9906000"/>
@@ -199,7 +201,7 @@
           <a:p>
             <a:fld id="{558543F8-9E4C-4984-9E71-BAD3EF871834}" type="datetimeFigureOut">
               <a:rPr lang="en-US" smtClean="0"/>
-              <a:t>12/10/2013</a:t>
+              <a:t>12/11/2013</a:t>
             </a:fld>
             <a:endParaRPr lang="en-US"/>
           </a:p>
@@ -682,7 +684,7 @@
           <a:p>
             <a:fld id="{8F9EC892-F033-426B-93B6-AEBC273303CA}" type="datetimeFigureOut">
               <a:rPr lang="en-US" smtClean="0"/>
-              <a:t>12/10/2013</a:t>
+              <a:t>12/11/2013</a:t>
             </a:fld>
             <a:endParaRPr lang="en-US"/>
           </a:p>
@@ -852,7 +854,7 @@
           <a:p>
             <a:fld id="{8F9EC892-F033-426B-93B6-AEBC273303CA}" type="datetimeFigureOut">
               <a:rPr lang="en-US" smtClean="0"/>
-              <a:t>12/10/2013</a:t>
+              <a:t>12/11/2013</a:t>
             </a:fld>
             <a:endParaRPr lang="en-US"/>
           </a:p>
@@ -1032,7 +1034,7 @@
           <a:p>
             <a:fld id="{8F9EC892-F033-426B-93B6-AEBC273303CA}" type="datetimeFigureOut">
               <a:rPr lang="en-US" smtClean="0"/>
-              <a:t>12/10/2013</a:t>
+              <a:t>12/11/2013</a:t>
             </a:fld>
             <a:endParaRPr lang="en-US"/>
           </a:p>
@@ -1202,7 +1204,7 @@
           <a:p>
             <a:fld id="{8F9EC892-F033-426B-93B6-AEBC273303CA}" type="datetimeFigureOut">
               <a:rPr lang="en-US" smtClean="0"/>
-              <a:t>12/10/2013</a:t>
+              <a:t>12/11/2013</a:t>
             </a:fld>
             <a:endParaRPr lang="en-US"/>
           </a:p>
@@ -1448,7 +1450,7 @@
           <a:p>
             <a:fld id="{8F9EC892-F033-426B-93B6-AEBC273303CA}" type="datetimeFigureOut">
               <a:rPr lang="en-US" smtClean="0"/>
-              <a:t>12/10/2013</a:t>
+              <a:t>12/11/2013</a:t>
             </a:fld>
             <a:endParaRPr lang="en-US"/>
           </a:p>
@@ -1680,7 +1682,7 @@
           <a:p>
             <a:fld id="{8F9EC892-F033-426B-93B6-AEBC273303CA}" type="datetimeFigureOut">
               <a:rPr lang="en-US" smtClean="0"/>
-              <a:t>12/10/2013</a:t>
+              <a:t>12/11/2013</a:t>
             </a:fld>
             <a:endParaRPr lang="en-US"/>
           </a:p>
@@ -2047,7 +2049,7 @@
           <a:p>
             <a:fld id="{8F9EC892-F033-426B-93B6-AEBC273303CA}" type="datetimeFigureOut">
               <a:rPr lang="en-US" smtClean="0"/>
-              <a:t>12/10/2013</a:t>
+              <a:t>12/11/2013</a:t>
             </a:fld>
             <a:endParaRPr lang="en-US"/>
           </a:p>
@@ -2165,7 +2167,7 @@
           <a:p>
             <a:fld id="{8F9EC892-F033-426B-93B6-AEBC273303CA}" type="datetimeFigureOut">
               <a:rPr lang="en-US" smtClean="0"/>
-              <a:t>12/10/2013</a:t>
+              <a:t>12/11/2013</a:t>
             </a:fld>
             <a:endParaRPr lang="en-US"/>
           </a:p>
@@ -2260,7 +2262,7 @@
           <a:p>
             <a:fld id="{8F9EC892-F033-426B-93B6-AEBC273303CA}" type="datetimeFigureOut">
               <a:rPr lang="en-US" smtClean="0"/>
-              <a:t>12/10/2013</a:t>
+              <a:t>12/11/2013</a:t>
             </a:fld>
             <a:endParaRPr lang="en-US"/>
           </a:p>
@@ -2537,7 +2539,7 @@
           <a:p>
             <a:fld id="{8F9EC892-F033-426B-93B6-AEBC273303CA}" type="datetimeFigureOut">
               <a:rPr lang="en-US" smtClean="0"/>
-              <a:t>12/10/2013</a:t>
+              <a:t>12/11/2013</a:t>
             </a:fld>
             <a:endParaRPr lang="en-US"/>
           </a:p>
@@ -2790,7 +2792,7 @@
           <a:p>
             <a:fld id="{8F9EC892-F033-426B-93B6-AEBC273303CA}" type="datetimeFigureOut">
               <a:rPr lang="en-US" smtClean="0"/>
-              <a:t>12/10/2013</a:t>
+              <a:t>12/11/2013</a:t>
             </a:fld>
             <a:endParaRPr lang="en-US"/>
           </a:p>
@@ -3003,7 +3005,7 @@
           <a:p>
             <a:fld id="{8F9EC892-F033-426B-93B6-AEBC273303CA}" type="datetimeFigureOut">
               <a:rPr lang="en-US" smtClean="0"/>
-              <a:t>12/10/2013</a:t>
+              <a:t>12/11/2013</a:t>
             </a:fld>
             <a:endParaRPr lang="en-US"/>
           </a:p>
@@ -3457,13 +3459,25 @@
           <a:p>
             <a:r>
               <a:rPr lang="en-US" dirty="0" smtClean="0"/>
-              <a:t>Version 1.0</a:t>
-            </a:r>
-          </a:p>
-          <a:p>
+              <a:t>Version: </a:t>
+            </a:r>
             <a:r>
               <a:rPr lang="en-US" dirty="0" smtClean="0"/>
-              <a:t>Produced by Anton Andreev, </a:t>
+              <a:t>1.0</a:t>
+            </a:r>
+          </a:p>
+          <a:p>
+            <a:r>
+              <a:rPr lang="en-US" dirty="0" smtClean="0"/>
+              <a:t>Produced </a:t>
+            </a:r>
+            <a:r>
+              <a:rPr lang="en-US" dirty="0" smtClean="0"/>
+              <a:t>by: </a:t>
+            </a:r>
+            <a:r>
+              <a:rPr lang="en-US" dirty="0" smtClean="0"/>
+              <a:t>Anton Andreev, </a:t>
             </a:r>
             <a:r>
               <a:rPr lang="en-US" dirty="0" err="1" smtClean="0"/>
@@ -3471,7 +3485,21 @@
             </a:r>
             <a:r>
               <a:rPr lang="en-US" dirty="0" smtClean="0"/>
-              <a:t>-lab</a:t>
+              <a:t>-lab/CNRS</a:t>
+            </a:r>
+          </a:p>
+          <a:p>
+            <a:r>
+              <a:rPr lang="en-US" dirty="0"/>
+              <a:t>Contact</a:t>
+            </a:r>
+            <a:r>
+              <a:rPr lang="en-US"/>
+              <a:t>: </a:t>
+            </a:r>
+            <a:r>
+              <a:rPr lang="en-US" smtClean="0"/>
+              <a:t>andreev.anton@gipsa-lab.grenoble-inp.fr</a:t>
             </a:r>
             <a:endParaRPr lang="en-US" dirty="0"/>
           </a:p>
@@ -4011,7 +4039,11 @@
             <a:pPr algn="ctr"/>
             <a:r>
               <a:rPr lang="en-US" dirty="0" smtClean="0"/>
-              <a:t>3) Synchronization between the EEG and the eye-tracker stream </a:t>
+              <a:t>3) Synchronization between the EEG and the </a:t>
+            </a:r>
+            <a:r>
+              <a:rPr lang="en-US" dirty="0" smtClean="0"/>
+              <a:t>eye-tracker </a:t>
             </a:r>
             <a:endParaRPr lang="en-US" dirty="0"/>
           </a:p>
@@ -4379,15 +4411,7 @@
           <a:p>
             <a:r>
               <a:rPr lang="en-US" dirty="0" smtClean="0"/>
-              <a:t>4) </a:t>
-            </a:r>
-            <a:r>
-              <a:rPr lang="en-US" dirty="0" smtClean="0"/>
-              <a:t>Import in </a:t>
-            </a:r>
-            <a:r>
-              <a:rPr lang="en-US" dirty="0" smtClean="0"/>
-              <a:t>EEGLAB</a:t>
+              <a:t>4) Import in EEGLAB</a:t>
             </a:r>
             <a:endParaRPr lang="en-US" dirty="0"/>
           </a:p>
@@ -4505,11 +4529,7 @@
             </a:r>
             <a:r>
               <a:rPr lang="en-US" sz="1400" dirty="0" smtClean="0"/>
-              <a:t> </a:t>
-            </a:r>
-            <a:r>
-              <a:rPr lang="en-US" sz="1400" dirty="0" smtClean="0"/>
-              <a:t>(developed by Ronald, Anton)</a:t>
+              <a:t> (developed by Ronald, Anton)</a:t>
             </a:r>
             <a:endParaRPr lang="en-US" sz="1400" dirty="0"/>
           </a:p>
@@ -4539,19 +4559,7 @@
           <a:p>
             <a:r>
               <a:rPr lang="en-US" sz="2000" dirty="0" smtClean="0"/>
-              <a:t>In </a:t>
-            </a:r>
-            <a:r>
-              <a:rPr lang="en-US" sz="2000" dirty="0" smtClean="0"/>
-              <a:t>1) </a:t>
-            </a:r>
-            <a:r>
-              <a:rPr lang="en-US" sz="2000" dirty="0" smtClean="0"/>
-              <a:t>the signal is acquired in a number of </a:t>
-            </a:r>
-            <a:r>
-              <a:rPr lang="en-US" sz="2000" dirty="0" smtClean="0"/>
-              <a:t>files. Normally these are .</a:t>
+              <a:t>In 1) the signal is acquired in a number of files. Normally these are .</a:t>
             </a:r>
             <a:r>
               <a:rPr lang="en-US" sz="2000" dirty="0" err="1" smtClean="0"/>
@@ -4591,7 +4599,11 @@
             </a:r>
             <a:r>
               <a:rPr lang="en-US" sz="2000" dirty="0" smtClean="0"/>
-              <a:t> for the </a:t>
+              <a:t> for </a:t>
+            </a:r>
+            <a:r>
+              <a:rPr lang="en-US" sz="2000" dirty="0" smtClean="0"/>
+              <a:t>EEG in the </a:t>
             </a:r>
             <a:r>
               <a:rPr lang="en-US" sz="2000" dirty="0" err="1" smtClean="0"/>
@@ -4603,11 +4615,7 @@
             </a:r>
             <a:r>
               <a:rPr lang="en-US" sz="2000" dirty="0" smtClean="0"/>
-              <a:t>format (EEG)</a:t>
-            </a:r>
-            <a:r>
-              <a:rPr lang="en-US" sz="2000" dirty="0" smtClean="0"/>
-              <a:t>. </a:t>
+              <a:t>format. </a:t>
             </a:r>
             <a:r>
               <a:rPr lang="en-US" sz="2000" dirty="0" smtClean="0"/>
@@ -4619,19 +4627,7 @@
             </a:r>
             <a:r>
               <a:rPr lang="en-US" sz="2000" dirty="0" smtClean="0"/>
-              <a:t> </a:t>
-            </a:r>
-            <a:r>
-              <a:rPr lang="en-US" sz="2000" smtClean="0"/>
-              <a:t>produces </a:t>
-            </a:r>
-            <a:r>
-              <a:rPr lang="en-US" sz="2000" smtClean="0"/>
-              <a:t>a .hdf5 </a:t>
-            </a:r>
-            <a:r>
-              <a:rPr lang="en-US" sz="2000" dirty="0" smtClean="0"/>
-              <a:t>file which is also converted to .</a:t>
+              <a:t> produces a .hdf5 file which is also converted to .</a:t>
             </a:r>
             <a:r>
               <a:rPr lang="en-US" sz="2000" dirty="0" err="1" smtClean="0"/>
@@ -4666,12 +4662,12 @@
               <a:t> software. In 3) the two </a:t>
             </a:r>
             <a:r>
-              <a:rPr lang="en-US" sz="2000" dirty="0" err="1" smtClean="0"/>
-              <a:t>datastreams</a:t>
-            </a:r>
-            <a:r>
               <a:rPr lang="en-US" sz="2000" dirty="0" smtClean="0"/>
-              <a:t> EEG and </a:t>
+              <a:t>data streams </a:t>
+            </a:r>
+            <a:r>
+              <a:rPr lang="en-US" sz="2000" dirty="0" smtClean="0"/>
+              <a:t>EEG and </a:t>
             </a:r>
             <a:r>
               <a:rPr lang="en-US" sz="2000" dirty="0" err="1" smtClean="0"/>
@@ -4687,31 +4683,15 @@
             </a:r>
             <a:r>
               <a:rPr lang="en-US" sz="2000" dirty="0" smtClean="0"/>
-              <a:t> produces .mat file and </a:t>
+              <a:t> produces </a:t>
             </a:r>
             <a:r>
               <a:rPr lang="en-US" sz="2000" dirty="0" smtClean="0"/>
-              <a:t>the total number </a:t>
+              <a:t>a .mat </a:t>
             </a:r>
             <a:r>
               <a:rPr lang="en-US" sz="2000" dirty="0" smtClean="0"/>
-              <a:t>of channels is the sum of the EEG and the </a:t>
-            </a:r>
-            <a:r>
-              <a:rPr lang="en-US" sz="2000" dirty="0" smtClean="0"/>
-              <a:t>eye tracker's</a:t>
-            </a:r>
-            <a:r>
-              <a:rPr lang="en-US" sz="2000" dirty="0" smtClean="0"/>
-              <a:t> </a:t>
-            </a:r>
-            <a:r>
-              <a:rPr lang="en-US" sz="2000" dirty="0" smtClean="0"/>
-              <a:t>channels. </a:t>
-            </a:r>
-            <a:r>
-              <a:rPr lang="en-US" sz="2000" dirty="0" smtClean="0"/>
-              <a:t>In 4</a:t>
+              <a:t>file and the total number of channels is the sum of the EEG and the eye tracker's channels. In 4</a:t>
             </a:r>
             <a:r>
               <a:rPr lang="en-US" sz="2000" dirty="0"/>
@@ -4727,7 +4707,15 @@
             </a:r>
             <a:r>
               <a:rPr lang="en-US" sz="2000" dirty="0" smtClean="0"/>
-              <a:t>imports the result in EEGLAB and it is used for ERP analysis.</a:t>
+              <a:t>imports the </a:t>
+            </a:r>
+            <a:r>
+              <a:rPr lang="en-US" sz="2000" dirty="0" smtClean="0"/>
+              <a:t>result from 3) </a:t>
+            </a:r>
+            <a:r>
+              <a:rPr lang="en-US" sz="2000" dirty="0" smtClean="0"/>
+              <a:t>in EEGLAB and it is used for ERP analysis.</a:t>
             </a:r>
             <a:endParaRPr lang="en-US" sz="2000" dirty="0"/>
           </a:p>
@@ -4812,43 +4800,123 @@
         </p:nvSpPr>
         <p:spPr>
           <a:xfrm>
-            <a:off x="905177" y="2796035"/>
-            <a:ext cx="10515600" cy="2202678"/>
-          </a:xfrm>
-        </p:spPr>
-        <p:txBody>
-          <a:bodyPr/>
-          <a:lstStyle/>
-          <a:p>
-            <a:r>
-              <a:rPr lang="en-US" sz="1800" dirty="0" smtClean="0"/>
-              <a:t>Converts to EEGLAB data structures (“EEG”,”ALLEEG”), this includes the triggers</a:t>
-            </a:r>
-          </a:p>
-          <a:p>
-            <a:r>
-              <a:rPr lang="en-US" sz="1800" dirty="0" smtClean="0"/>
+            <a:off x="905177" y="2796034"/>
+            <a:ext cx="10515600" cy="3812584"/>
+          </a:xfrm>
+        </p:spPr>
+        <p:txBody>
+          <a:bodyPr>
+            <a:noAutofit/>
+          </a:bodyPr>
+          <a:lstStyle/>
+          <a:p>
+            <a:r>
+              <a:rPr lang="en-US" sz="2400" dirty="0" smtClean="0"/>
+              <a:t>Converts to EEGLAB data structures (“EEG</a:t>
+            </a:r>
+            <a:r>
+              <a:rPr lang="en-US" sz="2400" dirty="0" smtClean="0"/>
+              <a:t>”, ”</a:t>
+            </a:r>
+            <a:r>
+              <a:rPr lang="en-US" sz="2400" dirty="0" smtClean="0"/>
+              <a:t>ALLEEG”), this includes the </a:t>
+            </a:r>
+            <a:r>
+              <a:rPr lang="en-US" sz="2400" dirty="0" smtClean="0"/>
+              <a:t>parallel port triggers </a:t>
+            </a:r>
+          </a:p>
+          <a:p>
+            <a:r>
+              <a:rPr lang="en-US" sz="2400" dirty="0" smtClean="0"/>
               <a:t>Creates epochs </a:t>
             </a:r>
-          </a:p>
-          <a:p>
-            <a:r>
-              <a:rPr lang="en-US" sz="1800" dirty="0" smtClean="0"/>
-              <a:t>Applies filtering over each epoch – default is 50Hz Notch, High Pass filter 2Hz.</a:t>
-            </a:r>
-          </a:p>
-          <a:p>
-            <a:r>
-              <a:rPr lang="en-US" sz="1800" dirty="0" smtClean="0"/>
-              <a:t>Removes artifacts – EEG and non-EEG channels (close to the eyes) are used to detect and attenuate the affect of eye blink artifacts </a:t>
-            </a:r>
-          </a:p>
-          <a:p>
-            <a:r>
-              <a:rPr lang="en-US" sz="1800" dirty="0" smtClean="0"/>
-              <a:t>Displays the average of the selected epochs per channel</a:t>
-            </a:r>
-            <a:endParaRPr lang="en-US" dirty="0"/>
+            <a:r>
+              <a:rPr lang="en-US" sz="2400" dirty="0" smtClean="0"/>
+              <a:t>– epochs are generated around a user defined list of events (usually parallel port triggers) and represent a chunk of signal. Epochs are stored in the </a:t>
+            </a:r>
+            <a:r>
+              <a:rPr lang="en-US" sz="2400" dirty="0" err="1" smtClean="0"/>
+              <a:t>EEG.data</a:t>
+            </a:r>
+            <a:r>
+              <a:rPr lang="en-US" sz="2400" dirty="0" smtClean="0"/>
+              <a:t> structure and do </a:t>
+            </a:r>
+            <a:r>
+              <a:rPr lang="en-US" sz="2400" b="1" dirty="0" smtClean="0"/>
+              <a:t>not</a:t>
+            </a:r>
+            <a:r>
+              <a:rPr lang="en-US" sz="2400" dirty="0" smtClean="0"/>
+              <a:t> represent a continuous signal</a:t>
+            </a:r>
+            <a:endParaRPr lang="en-US" sz="2400" dirty="0" smtClean="0"/>
+          </a:p>
+          <a:p>
+            <a:r>
+              <a:rPr lang="en-US" sz="2400" dirty="0" smtClean="0"/>
+              <a:t>Applies </a:t>
+            </a:r>
+            <a:r>
+              <a:rPr lang="en-US" sz="2400" dirty="0" smtClean="0"/>
+              <a:t>filtering over each </a:t>
+            </a:r>
+            <a:r>
+              <a:rPr lang="en-US" sz="2400" dirty="0" smtClean="0"/>
+              <a:t>epoch – phase is preserved </a:t>
+            </a:r>
+          </a:p>
+          <a:p>
+            <a:r>
+              <a:rPr lang="en-US" sz="2400" dirty="0" smtClean="0"/>
+              <a:t>Removes </a:t>
+            </a:r>
+            <a:r>
+              <a:rPr lang="en-US" sz="2400" dirty="0" smtClean="0"/>
+              <a:t>artifacts – EEG and non-EEG channels </a:t>
+            </a:r>
+            <a:r>
+              <a:rPr lang="en-US" sz="2400" dirty="0" smtClean="0"/>
+              <a:t>(deployed close to the </a:t>
+            </a:r>
+            <a:r>
+              <a:rPr lang="en-US" sz="2400" dirty="0" smtClean="0"/>
+              <a:t>eyes) are used to detect and attenuate the affect of eye blink </a:t>
+            </a:r>
+            <a:r>
+              <a:rPr lang="en-US" sz="2400" dirty="0" smtClean="0"/>
+              <a:t>artifacts. At this stage an ICA algorithm is applied developed by </a:t>
+            </a:r>
+            <a:r>
+              <a:rPr lang="en-US" sz="2400" dirty="0" err="1" smtClean="0"/>
+              <a:t>Gipsa</a:t>
+            </a:r>
+            <a:r>
+              <a:rPr lang="en-US" sz="2400" dirty="0" smtClean="0"/>
+              <a:t>-lab </a:t>
+            </a:r>
+            <a:endParaRPr lang="en-US" sz="2400" dirty="0" smtClean="0"/>
+          </a:p>
+          <a:p>
+            <a:r>
+              <a:rPr lang="en-US" sz="2400" dirty="0" smtClean="0"/>
+              <a:t>Displays </a:t>
+            </a:r>
+            <a:r>
+              <a:rPr lang="en-US" sz="2400" dirty="0" smtClean="0"/>
+              <a:t>a figure of the </a:t>
+            </a:r>
+            <a:r>
+              <a:rPr lang="en-US" sz="2400" dirty="0" smtClean="0"/>
+              <a:t>average of the selected epochs per </a:t>
+            </a:r>
+            <a:r>
+              <a:rPr lang="en-US" sz="2400" dirty="0" smtClean="0"/>
+              <a:t>channel</a:t>
+            </a:r>
+            <a:endParaRPr lang="en-US" sz="2400" dirty="0"/>
           </a:p>
         </p:txBody>
       </p:sp>
@@ -4876,11 +4944,7 @@
           <a:p>
             <a:r>
               <a:rPr lang="en-US" dirty="0" smtClean="0"/>
-              <a:t>4) Import </a:t>
-            </a:r>
-            <a:r>
-              <a:rPr lang="en-US" dirty="0" smtClean="0"/>
-              <a:t>in EEGLAB</a:t>
+              <a:t>4) Import in EEGLAB</a:t>
             </a:r>
             <a:endParaRPr lang="en-US" dirty="0"/>
           </a:p>
@@ -4939,7 +5003,7 @@
         <p:spPr>
           <a:xfrm>
             <a:off x="535678" y="2064063"/>
-            <a:ext cx="3377293" cy="523220"/>
+            <a:ext cx="4036322" cy="584775"/>
           </a:xfrm>
           <a:prstGeom prst="rect">
             <a:avLst/>
@@ -4953,10 +5017,10 @@
           <a:lstStyle/>
           <a:p>
             <a:r>
-              <a:rPr lang="en-US" sz="2800" dirty="0" err="1" smtClean="0"/>
+              <a:rPr lang="en-US" sz="3200" dirty="0" err="1" smtClean="0"/>
               <a:t>GazeEegLabImporter</a:t>
             </a:r>
-            <a:endParaRPr lang="en-US" sz="2800" dirty="0"/>
+            <a:endParaRPr lang="en-US" sz="3200" dirty="0"/>
           </a:p>
         </p:txBody>
       </p:sp>
@@ -4964,6 +5028,727 @@
     <p:extLst>
       <p:ext uri="{BB962C8B-B14F-4D97-AF65-F5344CB8AC3E}">
         <p14:creationId xmlns:p14="http://schemas.microsoft.com/office/powerpoint/2010/main" val="856010487"/>
+      </p:ext>
+    </p:extLst>
+  </p:cSld>
+  <p:clrMapOvr>
+    <a:masterClrMapping/>
+  </p:clrMapOvr>
+</p:sld>
+</file>
+
+<file path=ppt/slides/slide4.xml><?xml version="1.0" encoding="utf-8"?>
+<p:sld xmlns:a="http://schemas.openxmlformats.org/drawingml/2006/main" xmlns:r="http://schemas.openxmlformats.org/officeDocument/2006/relationships" xmlns:p="http://schemas.openxmlformats.org/presentationml/2006/main">
+  <p:cSld>
+    <p:spTree>
+      <p:nvGrpSpPr>
+        <p:cNvPr id="1" name=""/>
+        <p:cNvGrpSpPr/>
+        <p:nvPr/>
+      </p:nvGrpSpPr>
+      <p:grpSpPr>
+        <a:xfrm>
+          <a:off x="0" y="0"/>
+          <a:ext cx="0" cy="0"/>
+          <a:chOff x="0" y="0"/>
+          <a:chExt cx="0" cy="0"/>
+        </a:xfrm>
+      </p:grpSpPr>
+      <p:sp>
+        <p:nvSpPr>
+          <p:cNvPr id="3" name="Espace réservé du contenu 2"/>
+          <p:cNvSpPr>
+            <a:spLocks noGrp="1"/>
+          </p:cNvSpPr>
+          <p:nvPr>
+            <p:ph idx="1"/>
+          </p:nvPr>
+        </p:nvSpPr>
+        <p:spPr>
+          <a:xfrm>
+            <a:off x="962842" y="1033137"/>
+            <a:ext cx="10515600" cy="1486603"/>
+          </a:xfrm>
+        </p:spPr>
+        <p:txBody>
+          <a:bodyPr>
+            <a:normAutofit/>
+          </a:bodyPr>
+          <a:lstStyle/>
+          <a:p>
+            <a:r>
+              <a:rPr lang="en-US" sz="2400" dirty="0" smtClean="0"/>
+              <a:t>Download and unzip </a:t>
+            </a:r>
+            <a:r>
+              <a:rPr lang="en-US" sz="2400" dirty="0" err="1" smtClean="0"/>
+              <a:t>EEGLab</a:t>
+            </a:r>
+            <a:r>
+              <a:rPr lang="en-US" sz="2400" dirty="0" smtClean="0"/>
+              <a:t> </a:t>
+            </a:r>
+            <a:r>
+              <a:rPr lang="en-US" sz="2400" dirty="0" smtClean="0"/>
+              <a:t>11_0_5_4b: </a:t>
+            </a:r>
+            <a:r>
+              <a:rPr lang="en-US" sz="2400" dirty="0">
+                <a:hlinkClick r:id="rId2"/>
+              </a:rPr>
+              <a:t>http://sccn.ucsd.edu/eeglab/</a:t>
+            </a:r>
+            <a:endParaRPr lang="en-US" sz="2400" dirty="0"/>
+          </a:p>
+          <a:p>
+            <a:r>
+              <a:rPr lang="en-US" sz="2400" dirty="0" smtClean="0"/>
+              <a:t>ToolBoxGaze_gTec_EEG_v2.1.0 (if not provided)</a:t>
+            </a:r>
+          </a:p>
+          <a:p>
+            <a:pPr lvl="1"/>
+            <a:r>
+              <a:rPr lang="en-US" sz="2000" dirty="0" smtClean="0"/>
+              <a:t>currently </a:t>
+            </a:r>
+            <a:r>
+              <a:rPr lang="en-US" sz="2000" dirty="0" err="1"/>
+              <a:t>GazeEegLabImporter</a:t>
+            </a:r>
+            <a:r>
+              <a:rPr lang="en-US" sz="2000" dirty="0"/>
+              <a:t> works on top of package ToolBoxGaze_gTec_EEG_v2.1.0 </a:t>
+            </a:r>
+          </a:p>
+          <a:p>
+            <a:pPr lvl="1"/>
+            <a:endParaRPr lang="en-US" sz="2000" dirty="0"/>
+          </a:p>
+        </p:txBody>
+      </p:sp>
+      <p:sp>
+        <p:nvSpPr>
+          <p:cNvPr id="6" name="ZoneTexte 5"/>
+          <p:cNvSpPr txBox="1"/>
+          <p:nvPr/>
+        </p:nvSpPr>
+        <p:spPr>
+          <a:xfrm>
+            <a:off x="519202" y="342355"/>
+            <a:ext cx="3377293" cy="646331"/>
+          </a:xfrm>
+          <a:prstGeom prst="rect">
+            <a:avLst/>
+          </a:prstGeom>
+          <a:noFill/>
+        </p:spPr>
+        <p:txBody>
+          <a:bodyPr wrap="square" rtlCol="0">
+            <a:spAutoFit/>
+          </a:bodyPr>
+          <a:lstStyle/>
+          <a:p>
+            <a:r>
+              <a:rPr lang="en-US" sz="3600" dirty="0" smtClean="0"/>
+              <a:t>Prerequisites:</a:t>
+            </a:r>
+            <a:endParaRPr lang="en-US" sz="3600" dirty="0"/>
+          </a:p>
+        </p:txBody>
+      </p:sp>
+      <p:sp>
+        <p:nvSpPr>
+          <p:cNvPr id="7" name="ZoneTexte 6"/>
+          <p:cNvSpPr txBox="1"/>
+          <p:nvPr/>
+        </p:nvSpPr>
+        <p:spPr>
+          <a:xfrm>
+            <a:off x="519202" y="2519741"/>
+            <a:ext cx="3377293" cy="646331"/>
+          </a:xfrm>
+          <a:prstGeom prst="rect">
+            <a:avLst/>
+          </a:prstGeom>
+          <a:noFill/>
+        </p:spPr>
+        <p:txBody>
+          <a:bodyPr wrap="square" rtlCol="0">
+            <a:spAutoFit/>
+          </a:bodyPr>
+          <a:lstStyle/>
+          <a:p>
+            <a:r>
+              <a:rPr lang="en-US" sz="3600" dirty="0" smtClean="0"/>
+              <a:t>Installation:</a:t>
+            </a:r>
+            <a:endParaRPr lang="en-US" sz="3600" dirty="0"/>
+          </a:p>
+        </p:txBody>
+      </p:sp>
+      <p:sp>
+        <p:nvSpPr>
+          <p:cNvPr id="8" name="Espace réservé du contenu 2"/>
+          <p:cNvSpPr txBox="1">
+            <a:spLocks/>
+          </p:cNvSpPr>
+          <p:nvPr/>
+        </p:nvSpPr>
+        <p:spPr>
+          <a:xfrm>
+            <a:off x="962842" y="3344395"/>
+            <a:ext cx="10515600" cy="3236513"/>
+          </a:xfrm>
+          <a:prstGeom prst="rect">
+            <a:avLst/>
+          </a:prstGeom>
+        </p:spPr>
+        <p:txBody>
+          <a:bodyPr vert="horz" lIns="91440" tIns="45720" rIns="91440" bIns="45720" rtlCol="0">
+            <a:noAutofit/>
+          </a:bodyPr>
+          <a:lstStyle>
+            <a:lvl1pPr marL="228600" indent="-228600" algn="l" defTabSz="914400" rtl="0" eaLnBrk="1" latinLnBrk="0" hangingPunct="1">
+              <a:lnSpc>
+                <a:spcPct val="90000"/>
+              </a:lnSpc>
+              <a:spcBef>
+                <a:spcPts val="1000"/>
+              </a:spcBef>
+              <a:buFont typeface="Arial" panose="020B0604020202020204" pitchFamily="34" charset="0"/>
+              <a:buChar char="•"/>
+              <a:defRPr sz="2800" kern="1200">
+                <a:solidFill>
+                  <a:schemeClr val="tx1"/>
+                </a:solidFill>
+                <a:latin typeface="+mn-lt"/>
+                <a:ea typeface="+mn-ea"/>
+                <a:cs typeface="+mn-cs"/>
+              </a:defRPr>
+            </a:lvl1pPr>
+            <a:lvl2pPr marL="685800" indent="-228600" algn="l" defTabSz="914400" rtl="0" eaLnBrk="1" latinLnBrk="0" hangingPunct="1">
+              <a:lnSpc>
+                <a:spcPct val="90000"/>
+              </a:lnSpc>
+              <a:spcBef>
+                <a:spcPts val="500"/>
+              </a:spcBef>
+              <a:buFont typeface="Arial" panose="020B0604020202020204" pitchFamily="34" charset="0"/>
+              <a:buChar char="•"/>
+              <a:defRPr sz="2400" kern="1200">
+                <a:solidFill>
+                  <a:schemeClr val="tx1"/>
+                </a:solidFill>
+                <a:latin typeface="+mn-lt"/>
+                <a:ea typeface="+mn-ea"/>
+                <a:cs typeface="+mn-cs"/>
+              </a:defRPr>
+            </a:lvl2pPr>
+            <a:lvl3pPr marL="1143000" indent="-228600" algn="l" defTabSz="914400" rtl="0" eaLnBrk="1" latinLnBrk="0" hangingPunct="1">
+              <a:lnSpc>
+                <a:spcPct val="90000"/>
+              </a:lnSpc>
+              <a:spcBef>
+                <a:spcPts val="500"/>
+              </a:spcBef>
+              <a:buFont typeface="Arial" panose="020B0604020202020204" pitchFamily="34" charset="0"/>
+              <a:buChar char="•"/>
+              <a:defRPr sz="2000" kern="1200">
+                <a:solidFill>
+                  <a:schemeClr val="tx1"/>
+                </a:solidFill>
+                <a:latin typeface="+mn-lt"/>
+                <a:ea typeface="+mn-ea"/>
+                <a:cs typeface="+mn-cs"/>
+              </a:defRPr>
+            </a:lvl3pPr>
+            <a:lvl4pPr marL="1600200" indent="-228600" algn="l" defTabSz="914400" rtl="0" eaLnBrk="1" latinLnBrk="0" hangingPunct="1">
+              <a:lnSpc>
+                <a:spcPct val="90000"/>
+              </a:lnSpc>
+              <a:spcBef>
+                <a:spcPts val="500"/>
+              </a:spcBef>
+              <a:buFont typeface="Arial" panose="020B0604020202020204" pitchFamily="34" charset="0"/>
+              <a:buChar char="•"/>
+              <a:defRPr sz="1800" kern="1200">
+                <a:solidFill>
+                  <a:schemeClr val="tx1"/>
+                </a:solidFill>
+                <a:latin typeface="+mn-lt"/>
+                <a:ea typeface="+mn-ea"/>
+                <a:cs typeface="+mn-cs"/>
+              </a:defRPr>
+            </a:lvl4pPr>
+            <a:lvl5pPr marL="2057400" indent="-228600" algn="l" defTabSz="914400" rtl="0" eaLnBrk="1" latinLnBrk="0" hangingPunct="1">
+              <a:lnSpc>
+                <a:spcPct val="90000"/>
+              </a:lnSpc>
+              <a:spcBef>
+                <a:spcPts val="500"/>
+              </a:spcBef>
+              <a:buFont typeface="Arial" panose="020B0604020202020204" pitchFamily="34" charset="0"/>
+              <a:buChar char="•"/>
+              <a:defRPr sz="1800" kern="1200">
+                <a:solidFill>
+                  <a:schemeClr val="tx1"/>
+                </a:solidFill>
+                <a:latin typeface="+mn-lt"/>
+                <a:ea typeface="+mn-ea"/>
+                <a:cs typeface="+mn-cs"/>
+              </a:defRPr>
+            </a:lvl5pPr>
+            <a:lvl6pPr marL="2514600" indent="-228600" algn="l" defTabSz="914400" rtl="0" eaLnBrk="1" latinLnBrk="0" hangingPunct="1">
+              <a:lnSpc>
+                <a:spcPct val="90000"/>
+              </a:lnSpc>
+              <a:spcBef>
+                <a:spcPts val="500"/>
+              </a:spcBef>
+              <a:buFont typeface="Arial" panose="020B0604020202020204" pitchFamily="34" charset="0"/>
+              <a:buChar char="•"/>
+              <a:defRPr sz="1800" kern="1200">
+                <a:solidFill>
+                  <a:schemeClr val="tx1"/>
+                </a:solidFill>
+                <a:latin typeface="+mn-lt"/>
+                <a:ea typeface="+mn-ea"/>
+                <a:cs typeface="+mn-cs"/>
+              </a:defRPr>
+            </a:lvl6pPr>
+            <a:lvl7pPr marL="2971800" indent="-228600" algn="l" defTabSz="914400" rtl="0" eaLnBrk="1" latinLnBrk="0" hangingPunct="1">
+              <a:lnSpc>
+                <a:spcPct val="90000"/>
+              </a:lnSpc>
+              <a:spcBef>
+                <a:spcPts val="500"/>
+              </a:spcBef>
+              <a:buFont typeface="Arial" panose="020B0604020202020204" pitchFamily="34" charset="0"/>
+              <a:buChar char="•"/>
+              <a:defRPr sz="1800" kern="1200">
+                <a:solidFill>
+                  <a:schemeClr val="tx1"/>
+                </a:solidFill>
+                <a:latin typeface="+mn-lt"/>
+                <a:ea typeface="+mn-ea"/>
+                <a:cs typeface="+mn-cs"/>
+              </a:defRPr>
+            </a:lvl7pPr>
+            <a:lvl8pPr marL="3429000" indent="-228600" algn="l" defTabSz="914400" rtl="0" eaLnBrk="1" latinLnBrk="0" hangingPunct="1">
+              <a:lnSpc>
+                <a:spcPct val="90000"/>
+              </a:lnSpc>
+              <a:spcBef>
+                <a:spcPts val="500"/>
+              </a:spcBef>
+              <a:buFont typeface="Arial" panose="020B0604020202020204" pitchFamily="34" charset="0"/>
+              <a:buChar char="•"/>
+              <a:defRPr sz="1800" kern="1200">
+                <a:solidFill>
+                  <a:schemeClr val="tx1"/>
+                </a:solidFill>
+                <a:latin typeface="+mn-lt"/>
+                <a:ea typeface="+mn-ea"/>
+                <a:cs typeface="+mn-cs"/>
+              </a:defRPr>
+            </a:lvl8pPr>
+            <a:lvl9pPr marL="3886200" indent="-228600" algn="l" defTabSz="914400" rtl="0" eaLnBrk="1" latinLnBrk="0" hangingPunct="1">
+              <a:lnSpc>
+                <a:spcPct val="90000"/>
+              </a:lnSpc>
+              <a:spcBef>
+                <a:spcPts val="500"/>
+              </a:spcBef>
+              <a:buFont typeface="Arial" panose="020B0604020202020204" pitchFamily="34" charset="0"/>
+              <a:buChar char="•"/>
+              <a:defRPr sz="1800" kern="1200">
+                <a:solidFill>
+                  <a:schemeClr val="tx1"/>
+                </a:solidFill>
+                <a:latin typeface="+mn-lt"/>
+                <a:ea typeface="+mn-ea"/>
+                <a:cs typeface="+mn-cs"/>
+              </a:defRPr>
+            </a:lvl9pPr>
+          </a:lstStyle>
+          <a:p>
+            <a:r>
+              <a:rPr lang="en-US" sz="2400" dirty="0" smtClean="0"/>
+              <a:t>Add to your </a:t>
+            </a:r>
+            <a:r>
+              <a:rPr lang="en-US" sz="2400" dirty="0" err="1" smtClean="0"/>
+              <a:t>Matlab</a:t>
+            </a:r>
+            <a:r>
+              <a:rPr lang="en-US" sz="2400" dirty="0" smtClean="0"/>
+              <a:t> path: </a:t>
+            </a:r>
+            <a:r>
+              <a:rPr lang="en-US" sz="2400" dirty="0"/>
+              <a:t>ToolBoxGaze_gTec_EEG_v2.1.0</a:t>
+            </a:r>
+            <a:endParaRPr lang="en-US" sz="2400" dirty="0" smtClean="0"/>
+          </a:p>
+          <a:p>
+            <a:r>
+              <a:rPr lang="en-US" sz="2400" dirty="0" smtClean="0"/>
+              <a:t>Navigate to </a:t>
+            </a:r>
+            <a:r>
+              <a:rPr lang="en-US" sz="2400" dirty="0" err="1"/>
+              <a:t>GazeEegLabImporter</a:t>
+            </a:r>
+            <a:r>
+              <a:rPr lang="en-US" sz="2400" dirty="0"/>
+              <a:t> </a:t>
+            </a:r>
+            <a:r>
+              <a:rPr lang="en-US" sz="2400" dirty="0" smtClean="0"/>
+              <a:t>folder:</a:t>
+            </a:r>
+          </a:p>
+          <a:p>
+            <a:pPr lvl="1"/>
+            <a:r>
+              <a:rPr lang="en-US" dirty="0" err="1" smtClean="0"/>
+              <a:t>GazeEegLabImporter_Example.m</a:t>
+            </a:r>
+            <a:r>
+              <a:rPr lang="en-US" dirty="0" smtClean="0"/>
+              <a:t> </a:t>
+            </a:r>
+            <a:r>
+              <a:rPr lang="en-US" i="1" dirty="0" smtClean="0"/>
+              <a:t>(start from here)</a:t>
+            </a:r>
+          </a:p>
+          <a:p>
+            <a:pPr lvl="1"/>
+            <a:r>
+              <a:rPr lang="en-US" dirty="0" err="1" smtClean="0"/>
+              <a:t>GazeEegLabImporter_Process.m</a:t>
+            </a:r>
+            <a:r>
+              <a:rPr lang="en-US" dirty="0" smtClean="0"/>
+              <a:t> </a:t>
+            </a:r>
+            <a:r>
+              <a:rPr lang="en-US" i="1" dirty="0" smtClean="0"/>
+              <a:t>(main execution logic)</a:t>
+            </a:r>
+          </a:p>
+          <a:p>
+            <a:pPr lvl="1"/>
+            <a:r>
+              <a:rPr lang="en-US" dirty="0" err="1" smtClean="0"/>
+              <a:t>GazeEegLabImporter_SelectEpochs.m</a:t>
+            </a:r>
+            <a:endParaRPr lang="en-US" dirty="0" smtClean="0"/>
+          </a:p>
+          <a:p>
+            <a:pPr lvl="1"/>
+            <a:r>
+              <a:rPr lang="en-US" dirty="0" err="1" smtClean="0"/>
+              <a:t>GazeEegLabImporter_BuildEpoch.m</a:t>
+            </a:r>
+            <a:endParaRPr lang="en-US" dirty="0" smtClean="0"/>
+          </a:p>
+          <a:p>
+            <a:pPr lvl="1"/>
+            <a:r>
+              <a:rPr lang="en-US" dirty="0" err="1"/>
+              <a:t>GazeEegLabImporter_createDataFilter.m</a:t>
+            </a:r>
+            <a:endParaRPr lang="en-US" dirty="0"/>
+          </a:p>
+        </p:txBody>
+      </p:sp>
+    </p:spTree>
+    <p:extLst>
+      <p:ext uri="{BB962C8B-B14F-4D97-AF65-F5344CB8AC3E}">
+        <p14:creationId xmlns:p14="http://schemas.microsoft.com/office/powerpoint/2010/main" val="281035398"/>
+      </p:ext>
+    </p:extLst>
+  </p:cSld>
+  <p:clrMapOvr>
+    <a:masterClrMapping/>
+  </p:clrMapOvr>
+</p:sld>
+</file>
+
+<file path=ppt/slides/slide5.xml><?xml version="1.0" encoding="utf-8"?>
+<p:sld xmlns:a="http://schemas.openxmlformats.org/drawingml/2006/main" xmlns:r="http://schemas.openxmlformats.org/officeDocument/2006/relationships" xmlns:p="http://schemas.openxmlformats.org/presentationml/2006/main">
+  <p:cSld>
+    <p:spTree>
+      <p:nvGrpSpPr>
+        <p:cNvPr id="1" name=""/>
+        <p:cNvGrpSpPr/>
+        <p:nvPr/>
+      </p:nvGrpSpPr>
+      <p:grpSpPr>
+        <a:xfrm>
+          <a:off x="0" y="0"/>
+          <a:ext cx="0" cy="0"/>
+          <a:chOff x="0" y="0"/>
+          <a:chExt cx="0" cy="0"/>
+        </a:xfrm>
+      </p:grpSpPr>
+      <p:sp>
+        <p:nvSpPr>
+          <p:cNvPr id="3" name="Espace réservé du contenu 2"/>
+          <p:cNvSpPr>
+            <a:spLocks noGrp="1"/>
+          </p:cNvSpPr>
+          <p:nvPr>
+            <p:ph idx="1"/>
+          </p:nvPr>
+        </p:nvSpPr>
+        <p:spPr>
+          <a:xfrm>
+            <a:off x="986514" y="1462629"/>
+            <a:ext cx="10515600" cy="5076716"/>
+          </a:xfrm>
+        </p:spPr>
+        <p:txBody>
+          <a:bodyPr>
+            <a:normAutofit/>
+          </a:bodyPr>
+          <a:lstStyle/>
+          <a:p>
+            <a:r>
+              <a:rPr lang="en-US" sz="2400" i="1" dirty="0" err="1" smtClean="0"/>
+              <a:t>SynchroFilename</a:t>
+            </a:r>
+            <a:r>
+              <a:rPr lang="en-US" sz="1800" dirty="0" smtClean="0"/>
+              <a:t> – points to a file that contains both EEG and eye-tracker data streams. These streams </a:t>
+            </a:r>
+            <a:r>
+              <a:rPr lang="en-US" sz="1800" b="1" dirty="0" smtClean="0"/>
+              <a:t>must be already synchronized</a:t>
+            </a:r>
+            <a:r>
+              <a:rPr lang="en-US" sz="1800" dirty="0" smtClean="0"/>
+              <a:t> by </a:t>
+            </a:r>
+            <a:r>
+              <a:rPr lang="en-US" sz="1800" dirty="0" err="1" smtClean="0"/>
+              <a:t>GazeEegSynchro</a:t>
+            </a:r>
+            <a:endParaRPr lang="en-US" sz="1800" dirty="0"/>
+          </a:p>
+          <a:p>
+            <a:r>
+              <a:rPr lang="en-US" sz="2400" i="1" dirty="0" err="1" smtClean="0"/>
+              <a:t>EpochEventsStr</a:t>
+            </a:r>
+            <a:r>
+              <a:rPr lang="en-US" sz="1800" dirty="0" smtClean="0"/>
+              <a:t> – a </a:t>
+            </a:r>
+            <a:r>
+              <a:rPr lang="en-US" sz="1800" dirty="0" err="1" smtClean="0"/>
+              <a:t>matlab</a:t>
+            </a:r>
+            <a:r>
+              <a:rPr lang="en-US" sz="1800" dirty="0" smtClean="0"/>
+              <a:t> array that specifies the parallel port event witch with combination of </a:t>
+            </a:r>
+            <a:r>
+              <a:rPr lang="en-US" sz="1800" i="1" dirty="0" err="1" smtClean="0"/>
+              <a:t>TimeInterval</a:t>
+            </a:r>
+            <a:r>
+              <a:rPr lang="en-US" sz="1800" dirty="0"/>
+              <a:t> </a:t>
+            </a:r>
+            <a:r>
+              <a:rPr lang="en-US" sz="1800" dirty="0" smtClean="0"/>
+              <a:t>us used to generate epochs. Once </a:t>
+            </a:r>
+            <a:r>
+              <a:rPr lang="en-US" sz="1800" dirty="0" err="1" smtClean="0"/>
+              <a:t>GazeEeegLabImporter</a:t>
+            </a:r>
+            <a:r>
+              <a:rPr lang="en-US" sz="1800" dirty="0" smtClean="0"/>
+              <a:t> is executed one time you will be able to access the structure </a:t>
+            </a:r>
+            <a:r>
+              <a:rPr lang="en-US" sz="1800" i="1" dirty="0" err="1" smtClean="0"/>
+              <a:t>EegAcq.Events.EventTypes</a:t>
+            </a:r>
+            <a:r>
+              <a:rPr lang="en-US" sz="1800" dirty="0"/>
+              <a:t> </a:t>
+            </a:r>
+            <a:r>
+              <a:rPr lang="en-US" sz="1800" dirty="0" smtClean="0"/>
+              <a:t>and see what other events are available</a:t>
+            </a:r>
+            <a:endParaRPr lang="en-US" sz="1800" dirty="0"/>
+          </a:p>
+          <a:p>
+            <a:r>
+              <a:rPr lang="en-US" sz="2400" i="1" dirty="0" err="1"/>
+              <a:t>EpochEventsStr</a:t>
+            </a:r>
+            <a:r>
+              <a:rPr lang="en-US" sz="1800" dirty="0" smtClean="0"/>
+              <a:t> – a list of events that will be imported in EEEGLAB and displayed when you choose Plot-&gt;Channel data(scroll) in EEGLAB menus</a:t>
+            </a:r>
+            <a:endParaRPr lang="en-US" sz="1800" dirty="0"/>
+          </a:p>
+          <a:p>
+            <a:r>
+              <a:rPr lang="en-US" sz="2400" i="1" dirty="0" err="1"/>
+              <a:t>TimeInterval</a:t>
+            </a:r>
+            <a:r>
+              <a:rPr lang="en-US" sz="1800" dirty="0"/>
+              <a:t> </a:t>
+            </a:r>
+            <a:r>
+              <a:rPr lang="en-US" sz="1800" dirty="0" smtClean="0"/>
+              <a:t>– used to generate a time epoch around an event</a:t>
+            </a:r>
+          </a:p>
+          <a:p>
+            <a:r>
+              <a:rPr lang="en-US" sz="2400" i="1" dirty="0" err="1"/>
+              <a:t>StartFromTrigger</a:t>
+            </a:r>
+            <a:r>
+              <a:rPr lang="en-US" sz="2400" i="1" dirty="0"/>
+              <a:t> </a:t>
+            </a:r>
+            <a:r>
+              <a:rPr lang="en-US" sz="1800" dirty="0" smtClean="0"/>
+              <a:t>– all data before this parallel port trigger is ignored</a:t>
+            </a:r>
+          </a:p>
+          <a:p>
+            <a:r>
+              <a:rPr lang="en-US" sz="2400" i="1" dirty="0" err="1" smtClean="0"/>
+              <a:t>FilterData</a:t>
+            </a:r>
+            <a:r>
+              <a:rPr lang="en-US" sz="2400" i="1" dirty="0" smtClean="0"/>
+              <a:t> </a:t>
+            </a:r>
+            <a:r>
+              <a:rPr lang="en-US" sz="1800" dirty="0"/>
+              <a:t>– </a:t>
+            </a:r>
+            <a:r>
+              <a:rPr lang="en-US" sz="1800" dirty="0" err="1" smtClean="0"/>
+              <a:t>boolean</a:t>
+            </a:r>
+            <a:r>
+              <a:rPr lang="en-US" sz="1800" dirty="0" smtClean="0"/>
+              <a:t> field (true/false) sets if a digital filters are applied. Default is: </a:t>
+            </a:r>
+            <a:r>
+              <a:rPr lang="en-US" sz="1800" dirty="0"/>
+              <a:t>default is 50Hz Notch, High Pass filter </a:t>
+            </a:r>
+            <a:r>
+              <a:rPr lang="en-US" sz="1800" dirty="0" smtClean="0"/>
+              <a:t>2Hz </a:t>
+            </a:r>
+          </a:p>
+          <a:p>
+            <a:r>
+              <a:rPr lang="en-US" sz="2400" dirty="0" err="1" smtClean="0"/>
+              <a:t>NbNonEEGChan</a:t>
+            </a:r>
+            <a:r>
+              <a:rPr lang="en-US" sz="2400" dirty="0"/>
+              <a:t> </a:t>
+            </a:r>
+            <a:r>
+              <a:rPr lang="en-US" sz="1800" dirty="0" smtClean="0"/>
+              <a:t>– this parameter is need to differentiate which channels are EEG and which are not. The non-</a:t>
+            </a:r>
+            <a:r>
+              <a:rPr lang="en-US" sz="1800" dirty="0" err="1" smtClean="0"/>
+              <a:t>eeg</a:t>
+            </a:r>
+            <a:r>
+              <a:rPr lang="en-US" sz="1800" dirty="0" smtClean="0"/>
+              <a:t> channels are expected to be last. For example if </a:t>
+            </a:r>
+            <a:r>
+              <a:rPr lang="en-US" sz="1800" dirty="0" err="1" smtClean="0"/>
+              <a:t>NbNonEEGChan</a:t>
+            </a:r>
+            <a:r>
+              <a:rPr lang="en-US" sz="1800" dirty="0" smtClean="0"/>
+              <a:t>= 5 and total number of channels is 37, then the first 37-5 channels are expected to be EEG.</a:t>
+            </a:r>
+            <a:endParaRPr lang="en-US" sz="1800" dirty="0"/>
+          </a:p>
+          <a:p>
+            <a:endParaRPr lang="en-US" sz="1800" dirty="0" smtClean="0"/>
+          </a:p>
+          <a:p>
+            <a:pPr marL="0" indent="0">
+              <a:buNone/>
+            </a:pPr>
+            <a:endParaRPr lang="en-US" dirty="0"/>
+          </a:p>
+          <a:p>
+            <a:endParaRPr lang="en-US" dirty="0"/>
+          </a:p>
+        </p:txBody>
+      </p:sp>
+      <p:sp>
+        <p:nvSpPr>
+          <p:cNvPr id="6" name="ZoneTexte 5"/>
+          <p:cNvSpPr txBox="1"/>
+          <p:nvPr/>
+        </p:nvSpPr>
+        <p:spPr>
+          <a:xfrm>
+            <a:off x="432332" y="385411"/>
+            <a:ext cx="11191632" cy="1077218"/>
+          </a:xfrm>
+          <a:prstGeom prst="rect">
+            <a:avLst/>
+          </a:prstGeom>
+          <a:noFill/>
+        </p:spPr>
+        <p:txBody>
+          <a:bodyPr wrap="square" rtlCol="0">
+            <a:spAutoFit/>
+          </a:bodyPr>
+          <a:lstStyle/>
+          <a:p>
+            <a:r>
+              <a:rPr lang="en-US" sz="3600" dirty="0" smtClean="0"/>
+              <a:t>Main function </a:t>
+            </a:r>
+            <a:r>
+              <a:rPr lang="en-US" sz="3600" dirty="0" err="1" smtClean="0"/>
+              <a:t>GazeEegLabImporter_Process</a:t>
+            </a:r>
+            <a:r>
+              <a:rPr lang="en-US" sz="3600" dirty="0" smtClean="0"/>
+              <a:t> parameters</a:t>
+            </a:r>
+            <a:endParaRPr lang="en-US" sz="3600" dirty="0"/>
+          </a:p>
+          <a:p>
+            <a:endParaRPr lang="en-US" sz="2800" dirty="0"/>
+          </a:p>
+        </p:txBody>
+      </p:sp>
+    </p:spTree>
+    <p:extLst>
+      <p:ext uri="{BB962C8B-B14F-4D97-AF65-F5344CB8AC3E}">
+        <p14:creationId xmlns:p14="http://schemas.microsoft.com/office/powerpoint/2010/main" val="2155794159"/>
       </p:ext>
     </p:extLst>
   </p:cSld>

--- a/trunk/src_matlab/GazeEegLabImporter/docs/GazeEegLabImporter.pptx
+++ b/trunk/src_matlab/GazeEegLabImporter/docs/GazeEegLabImporter.pptx
@@ -201,7 +201,7 @@
           <a:p>
             <a:fld id="{558543F8-9E4C-4984-9E71-BAD3EF871834}" type="datetimeFigureOut">
               <a:rPr lang="en-US" smtClean="0"/>
-              <a:t>12/11/2013</a:t>
+              <a:t>12/12/2013</a:t>
             </a:fld>
             <a:endParaRPr lang="en-US"/>
           </a:p>
@@ -684,7 +684,7 @@
           <a:p>
             <a:fld id="{8F9EC892-F033-426B-93B6-AEBC273303CA}" type="datetimeFigureOut">
               <a:rPr lang="en-US" smtClean="0"/>
-              <a:t>12/11/2013</a:t>
+              <a:t>12/12/2013</a:t>
             </a:fld>
             <a:endParaRPr lang="en-US"/>
           </a:p>
@@ -854,7 +854,7 @@
           <a:p>
             <a:fld id="{8F9EC892-F033-426B-93B6-AEBC273303CA}" type="datetimeFigureOut">
               <a:rPr lang="en-US" smtClean="0"/>
-              <a:t>12/11/2013</a:t>
+              <a:t>12/12/2013</a:t>
             </a:fld>
             <a:endParaRPr lang="en-US"/>
           </a:p>
@@ -1034,7 +1034,7 @@
           <a:p>
             <a:fld id="{8F9EC892-F033-426B-93B6-AEBC273303CA}" type="datetimeFigureOut">
               <a:rPr lang="en-US" smtClean="0"/>
-              <a:t>12/11/2013</a:t>
+              <a:t>12/12/2013</a:t>
             </a:fld>
             <a:endParaRPr lang="en-US"/>
           </a:p>
@@ -1204,7 +1204,7 @@
           <a:p>
             <a:fld id="{8F9EC892-F033-426B-93B6-AEBC273303CA}" type="datetimeFigureOut">
               <a:rPr lang="en-US" smtClean="0"/>
-              <a:t>12/11/2013</a:t>
+              <a:t>12/12/2013</a:t>
             </a:fld>
             <a:endParaRPr lang="en-US"/>
           </a:p>
@@ -1450,7 +1450,7 @@
           <a:p>
             <a:fld id="{8F9EC892-F033-426B-93B6-AEBC273303CA}" type="datetimeFigureOut">
               <a:rPr lang="en-US" smtClean="0"/>
-              <a:t>12/11/2013</a:t>
+              <a:t>12/12/2013</a:t>
             </a:fld>
             <a:endParaRPr lang="en-US"/>
           </a:p>
@@ -1682,7 +1682,7 @@
           <a:p>
             <a:fld id="{8F9EC892-F033-426B-93B6-AEBC273303CA}" type="datetimeFigureOut">
               <a:rPr lang="en-US" smtClean="0"/>
-              <a:t>12/11/2013</a:t>
+              <a:t>12/12/2013</a:t>
             </a:fld>
             <a:endParaRPr lang="en-US"/>
           </a:p>
@@ -2049,7 +2049,7 @@
           <a:p>
             <a:fld id="{8F9EC892-F033-426B-93B6-AEBC273303CA}" type="datetimeFigureOut">
               <a:rPr lang="en-US" smtClean="0"/>
-              <a:t>12/11/2013</a:t>
+              <a:t>12/12/2013</a:t>
             </a:fld>
             <a:endParaRPr lang="en-US"/>
           </a:p>
@@ -2167,7 +2167,7 @@
           <a:p>
             <a:fld id="{8F9EC892-F033-426B-93B6-AEBC273303CA}" type="datetimeFigureOut">
               <a:rPr lang="en-US" smtClean="0"/>
-              <a:t>12/11/2013</a:t>
+              <a:t>12/12/2013</a:t>
             </a:fld>
             <a:endParaRPr lang="en-US"/>
           </a:p>
@@ -2262,7 +2262,7 @@
           <a:p>
             <a:fld id="{8F9EC892-F033-426B-93B6-AEBC273303CA}" type="datetimeFigureOut">
               <a:rPr lang="en-US" smtClean="0"/>
-              <a:t>12/11/2013</a:t>
+              <a:t>12/12/2013</a:t>
             </a:fld>
             <a:endParaRPr lang="en-US"/>
           </a:p>
@@ -2539,7 +2539,7 @@
           <a:p>
             <a:fld id="{8F9EC892-F033-426B-93B6-AEBC273303CA}" type="datetimeFigureOut">
               <a:rPr lang="en-US" smtClean="0"/>
-              <a:t>12/11/2013</a:t>
+              <a:t>12/12/2013</a:t>
             </a:fld>
             <a:endParaRPr lang="en-US"/>
           </a:p>
@@ -2792,7 +2792,7 @@
           <a:p>
             <a:fld id="{8F9EC892-F033-426B-93B6-AEBC273303CA}" type="datetimeFigureOut">
               <a:rPr lang="en-US" smtClean="0"/>
-              <a:t>12/11/2013</a:t>
+              <a:t>12/12/2013</a:t>
             </a:fld>
             <a:endParaRPr lang="en-US"/>
           </a:p>
@@ -3005,7 +3005,7 @@
           <a:p>
             <a:fld id="{8F9EC892-F033-426B-93B6-AEBC273303CA}" type="datetimeFigureOut">
               <a:rPr lang="en-US" smtClean="0"/>
-              <a:t>12/11/2013</a:t>
+              <a:t>12/12/2013</a:t>
             </a:fld>
             <a:endParaRPr lang="en-US"/>
           </a:p>
@@ -3453,31 +3453,33 @@
           <a:p>
             <a:r>
               <a:rPr lang="en-US" dirty="0" smtClean="0"/>
-              <a:t>Date: 10/12/2013</a:t>
-            </a:r>
-          </a:p>
-          <a:p>
+              <a:t>Date: </a:t>
+            </a:r>
             <a:r>
               <a:rPr lang="en-US" dirty="0" smtClean="0"/>
-              <a:t>Version: </a:t>
-            </a:r>
+              <a:t>12/12/2013</a:t>
+            </a:r>
+            <a:endParaRPr lang="en-US" dirty="0" smtClean="0"/>
+          </a:p>
+          <a:p>
             <a:r>
               <a:rPr lang="en-US" dirty="0" smtClean="0"/>
+              <a:t>Version</a:t>
+            </a:r>
+            <a:r>
+              <a:rPr lang="en-US" smtClean="0"/>
+              <a:t>: </a:t>
+            </a:r>
+            <a:r>
+              <a:rPr lang="en-US" smtClean="0"/>
               <a:t>1.0</a:t>
             </a:r>
+            <a:endParaRPr lang="en-US" dirty="0" smtClean="0"/>
           </a:p>
           <a:p>
             <a:r>
               <a:rPr lang="en-US" dirty="0" smtClean="0"/>
-              <a:t>Produced </a:t>
-            </a:r>
-            <a:r>
-              <a:rPr lang="en-US" dirty="0" smtClean="0"/>
-              <a:t>by: </a:t>
-            </a:r>
-            <a:r>
-              <a:rPr lang="en-US" dirty="0" smtClean="0"/>
-              <a:t>Anton Andreev, </a:t>
+              <a:t>Produced by: Anton Andreev, </a:t>
             </a:r>
             <a:r>
               <a:rPr lang="en-US" dirty="0" err="1" smtClean="0"/>
@@ -3491,14 +3493,10 @@
           <a:p>
             <a:r>
               <a:rPr lang="en-US" dirty="0"/>
-              <a:t>Contact</a:t>
-            </a:r>
-            <a:r>
-              <a:rPr lang="en-US"/>
-              <a:t>: </a:t>
-            </a:r>
-            <a:r>
-              <a:rPr lang="en-US" smtClean="0"/>
+              <a:t>Contact: </a:t>
+            </a:r>
+            <a:r>
+              <a:rPr lang="en-US" dirty="0" smtClean="0"/>
               <a:t>andreev.anton@gipsa-lab.grenoble-inp.fr</a:t>
             </a:r>
             <a:endParaRPr lang="en-US" dirty="0"/>
@@ -4039,11 +4037,7 @@
             <a:pPr algn="ctr"/>
             <a:r>
               <a:rPr lang="en-US" dirty="0" smtClean="0"/>
-              <a:t>3) Synchronization between the EEG and the </a:t>
-            </a:r>
-            <a:r>
-              <a:rPr lang="en-US" dirty="0" smtClean="0"/>
-              <a:t>eye-tracker </a:t>
+              <a:t>3) Synchronization between the EEG and the eye-tracker </a:t>
             </a:r>
             <a:endParaRPr lang="en-US" dirty="0"/>
           </a:p>
@@ -4599,11 +4593,7 @@
             </a:r>
             <a:r>
               <a:rPr lang="en-US" sz="2000" dirty="0" smtClean="0"/>
-              <a:t> for </a:t>
-            </a:r>
-            <a:r>
-              <a:rPr lang="en-US" sz="2000" dirty="0" smtClean="0"/>
-              <a:t>EEG in the </a:t>
+              <a:t> for EEG in the </a:t>
             </a:r>
             <a:r>
               <a:rPr lang="en-US" sz="2000" dirty="0" err="1" smtClean="0"/>
@@ -4615,11 +4605,7 @@
             </a:r>
             <a:r>
               <a:rPr lang="en-US" sz="2000" dirty="0" smtClean="0"/>
-              <a:t>format. </a:t>
-            </a:r>
-            <a:r>
-              <a:rPr lang="en-US" sz="2000" dirty="0" smtClean="0"/>
-              <a:t>The </a:t>
+              <a:t>format. The </a:t>
             </a:r>
             <a:r>
               <a:rPr lang="en-US" sz="2000" dirty="0" err="1" smtClean="0"/>
@@ -4659,15 +4645,7 @@
             </a:r>
             <a:r>
               <a:rPr lang="en-US" sz="2000" dirty="0" smtClean="0"/>
-              <a:t> software. In 3) the two </a:t>
-            </a:r>
-            <a:r>
-              <a:rPr lang="en-US" sz="2000" dirty="0" smtClean="0"/>
-              <a:t>data streams </a:t>
-            </a:r>
-            <a:r>
-              <a:rPr lang="en-US" sz="2000" dirty="0" smtClean="0"/>
-              <a:t>EEG and </a:t>
+              <a:t> software. In 3) the two data streams EEG and </a:t>
             </a:r>
             <a:r>
               <a:rPr lang="en-US" sz="2000" dirty="0" err="1" smtClean="0"/>
@@ -4683,15 +4661,7 @@
             </a:r>
             <a:r>
               <a:rPr lang="en-US" sz="2000" dirty="0" smtClean="0"/>
-              <a:t> produces </a:t>
-            </a:r>
-            <a:r>
-              <a:rPr lang="en-US" sz="2000" dirty="0" smtClean="0"/>
-              <a:t>a .mat </a:t>
-            </a:r>
-            <a:r>
-              <a:rPr lang="en-US" sz="2000" dirty="0" smtClean="0"/>
-              <a:t>file and the total number of channels is the sum of the EEG and the eye tracker's channels. In 4</a:t>
+              <a:t> produces a .mat file and the total number of channels is the sum of the EEG and the eye tracker's channels. In 4</a:t>
             </a:r>
             <a:r>
               <a:rPr lang="en-US" sz="2000" dirty="0"/>
@@ -4707,15 +4677,7 @@
             </a:r>
             <a:r>
               <a:rPr lang="en-US" sz="2000" dirty="0" smtClean="0"/>
-              <a:t>imports the </a:t>
-            </a:r>
-            <a:r>
-              <a:rPr lang="en-US" sz="2000" dirty="0" smtClean="0"/>
-              <a:t>result from 3) </a:t>
-            </a:r>
-            <a:r>
-              <a:rPr lang="en-US" sz="2000" dirty="0" smtClean="0"/>
-              <a:t>in EEGLAB and it is used for ERP analysis.</a:t>
+              <a:t>imports the result from 3) in EEGLAB and it is used for ERP analysis.</a:t>
             </a:r>
             <a:endParaRPr lang="en-US" sz="2000" dirty="0"/>
           </a:p>
@@ -4812,29 +4774,13 @@
           <a:p>
             <a:r>
               <a:rPr lang="en-US" sz="2400" dirty="0" smtClean="0"/>
-              <a:t>Converts to EEGLAB data structures (“EEG</a:t>
-            </a:r>
+              <a:t>Converts to EEGLAB data structures (“EEG”, ”ALLEEG”), this includes the parallel port triggers </a:t>
+            </a:r>
+          </a:p>
+          <a:p>
             <a:r>
               <a:rPr lang="en-US" sz="2400" dirty="0" smtClean="0"/>
-              <a:t>”, ”</a:t>
-            </a:r>
-            <a:r>
-              <a:rPr lang="en-US" sz="2400" dirty="0" smtClean="0"/>
-              <a:t>ALLEEG”), this includes the </a:t>
-            </a:r>
-            <a:r>
-              <a:rPr lang="en-US" sz="2400" dirty="0" smtClean="0"/>
-              <a:t>parallel port triggers </a:t>
-            </a:r>
-          </a:p>
-          <a:p>
-            <a:r>
-              <a:rPr lang="en-US" sz="2400" dirty="0" smtClean="0"/>
-              <a:t>Creates epochs </a:t>
-            </a:r>
-            <a:r>
-              <a:rPr lang="en-US" sz="2400" dirty="0" smtClean="0"/>
-              <a:t>– epochs are generated around a user defined list of events (usually parallel port triggers) and represent a chunk of signal. Epochs are stored in the </a:t>
+              <a:t>Creates epochs – epochs are generated around a user defined list of events (usually parallel port triggers) and represent chunks of signal. Epochs are stored in the </a:t>
             </a:r>
             <a:r>
               <a:rPr lang="en-US" sz="2400" dirty="0" err="1" smtClean="0"/>
@@ -4852,42 +4798,25 @@
               <a:rPr lang="en-US" sz="2400" dirty="0" smtClean="0"/>
               <a:t> represent a continuous signal</a:t>
             </a:r>
-            <a:endParaRPr lang="en-US" sz="2400" dirty="0" smtClean="0"/>
           </a:p>
           <a:p>
             <a:r>
               <a:rPr lang="en-US" sz="2400" dirty="0" smtClean="0"/>
-              <a:t>Applies </a:t>
-            </a:r>
+              <a:t>Applies filtering over each epoch – phase is preserved </a:t>
+            </a:r>
+          </a:p>
+          <a:p>
             <a:r>
               <a:rPr lang="en-US" sz="2400" dirty="0" smtClean="0"/>
-              <a:t>filtering over each </a:t>
+              <a:t>Removes artifacts – EEG </a:t>
             </a:r>
             <a:r>
               <a:rPr lang="en-US" sz="2400" dirty="0" smtClean="0"/>
-              <a:t>epoch – phase is preserved </a:t>
-            </a:r>
-          </a:p>
-          <a:p>
+              <a:t>and EOG data are </a:t>
+            </a:r>
             <a:r>
               <a:rPr lang="en-US" sz="2400" dirty="0" smtClean="0"/>
-              <a:t>Removes </a:t>
-            </a:r>
-            <a:r>
-              <a:rPr lang="en-US" sz="2400" dirty="0" smtClean="0"/>
-              <a:t>artifacts – EEG and non-EEG channels </a:t>
-            </a:r>
-            <a:r>
-              <a:rPr lang="en-US" sz="2400" dirty="0" smtClean="0"/>
-              <a:t>(deployed close to the </a:t>
-            </a:r>
-            <a:r>
-              <a:rPr lang="en-US" sz="2400" dirty="0" smtClean="0"/>
-              <a:t>eyes) are used to detect and attenuate the affect of eye blink </a:t>
-            </a:r>
-            <a:r>
-              <a:rPr lang="en-US" sz="2400" dirty="0" smtClean="0"/>
-              <a:t>artifacts. At this stage an ICA algorithm is applied developed by </a:t>
+              <a:t>used to detect and attenuate the effect of eye blink artifacts. At this stage an ICA algorithm developed by </a:t>
             </a:r>
             <a:r>
               <a:rPr lang="en-US" sz="2400" dirty="0" err="1" smtClean="0"/>
@@ -4897,24 +4826,19 @@
               <a:rPr lang="en-US" sz="2400" dirty="0" smtClean="0"/>
               <a:t>-lab </a:t>
             </a:r>
-            <a:endParaRPr lang="en-US" sz="2400" dirty="0" smtClean="0"/>
-          </a:p>
-          <a:p>
+            <a:r>
+              <a:rPr lang="en-US" sz="2400" dirty="0"/>
+              <a:t>is </a:t>
+            </a:r>
             <a:r>
               <a:rPr lang="en-US" sz="2400" dirty="0" smtClean="0"/>
-              <a:t>Displays </a:t>
-            </a:r>
+              <a:t>applied</a:t>
+            </a:r>
+          </a:p>
+          <a:p>
             <a:r>
               <a:rPr lang="en-US" sz="2400" dirty="0" smtClean="0"/>
-              <a:t>a figure of the </a:t>
-            </a:r>
-            <a:r>
-              <a:rPr lang="en-US" sz="2400" dirty="0" smtClean="0"/>
-              <a:t>average of the selected epochs per </a:t>
-            </a:r>
-            <a:r>
-              <a:rPr lang="en-US" sz="2400" dirty="0" smtClean="0"/>
-              <a:t>channel</a:t>
+              <a:t>Displays a figure of the average of the selected epochs per channel</a:t>
             </a:r>
             <a:endParaRPr lang="en-US" sz="2400" dirty="0"/>
           </a:p>
@@ -5085,12 +5009,8 @@
               <a:t>EEGLab</a:t>
             </a:r>
             <a:r>
-              <a:rPr lang="en-US" sz="2400" dirty="0" smtClean="0"/>
-              <a:t> </a:t>
-            </a:r>
-            <a:r>
-              <a:rPr lang="en-US" sz="2400" dirty="0" smtClean="0"/>
-              <a:t>11_0_5_4b: </a:t>
+              <a:rPr lang="en-US" sz="2400" smtClean="0"/>
+              <a:t> 11_0_5_4b or higher: </a:t>
             </a:r>
             <a:r>
               <a:rPr lang="en-US" sz="2400" dirty="0">
@@ -5458,8 +5378,8 @@
           <a:p>
             <a:pPr lvl="1"/>
             <a:r>
-              <a:rPr lang="en-US" dirty="0" err="1"/>
-              <a:t>GazeEegLabImporter_createDataFilter.m</a:t>
+              <a:rPr lang="en-US" dirty="0" err="1" smtClean="0"/>
+              <a:t>GazeEegLabImporter_CreateDataFilter.m</a:t>
             </a:r>
             <a:endParaRPr lang="en-US" dirty="0"/>
           </a:p>
@@ -5670,15 +5590,47 @@
             </a:r>
             <a:r>
               <a:rPr lang="en-US" sz="1800" dirty="0" smtClean="0"/>
-              <a:t>– this parameter is need to differentiate which channels are EEG and which are not. The non-</a:t>
+              <a:t>– this parameter is need to differentiate which channels are </a:t>
+            </a:r>
+            <a:r>
+              <a:rPr lang="en-US" sz="1800" dirty="0" smtClean="0"/>
+              <a:t>EEG/EOG </a:t>
+            </a:r>
+            <a:r>
+              <a:rPr lang="en-US" sz="1800" dirty="0" smtClean="0"/>
+              <a:t>and which are </a:t>
             </a:r>
             <a:r>
               <a:rPr lang="en-US" sz="1800" dirty="0" err="1" smtClean="0"/>
-              <a:t>eeg</a:t>
+              <a:t>eyetracking</a:t>
+            </a:r>
+            <a:r>
+              <a:rPr lang="en-US" sz="1800" dirty="0"/>
+              <a:t> </a:t>
             </a:r>
             <a:r>
               <a:rPr lang="en-US" sz="1800" dirty="0" smtClean="0"/>
-              <a:t> channels are expected to be last. For example if </a:t>
+              <a:t>data.</a:t>
+            </a:r>
+            <a:r>
+              <a:rPr lang="en-US" sz="1800" dirty="0" smtClean="0"/>
+              <a:t> </a:t>
+            </a:r>
+            <a:r>
+              <a:rPr lang="en-US" sz="1800" dirty="0" smtClean="0"/>
+              <a:t>The </a:t>
+            </a:r>
+            <a:r>
+              <a:rPr lang="en-US" sz="1800" dirty="0" smtClean="0"/>
+              <a:t>eye-tracking</a:t>
+            </a:r>
+            <a:r>
+              <a:rPr lang="en-US" sz="1800" dirty="0" smtClean="0"/>
+              <a:t> </a:t>
+            </a:r>
+            <a:r>
+              <a:rPr lang="en-US" sz="1800" dirty="0" smtClean="0"/>
+              <a:t>channels are expected to be last. For example if </a:t>
             </a:r>
             <a:r>
               <a:rPr lang="en-US" sz="1800" dirty="0" err="1" smtClean="0"/>
@@ -5686,7 +5638,15 @@
             </a:r>
             <a:r>
               <a:rPr lang="en-US" sz="1800" dirty="0" smtClean="0"/>
-              <a:t>= 5 and total number of channels is 37, then the first 37-5 channels are expected to be EEG.</a:t>
+              <a:t>= 5 and total number of channels is 37, then the first </a:t>
+            </a:r>
+            <a:r>
+              <a:rPr lang="en-US" sz="1800" dirty="0" smtClean="0"/>
+              <a:t>37 minus 5 </a:t>
+            </a:r>
+            <a:r>
+              <a:rPr lang="en-US" sz="1800" dirty="0" smtClean="0"/>
+              <a:t>channels are expected to be EEG. </a:t>
             </a:r>
             <a:endParaRPr lang="en-US" sz="1800" dirty="0"/>
           </a:p>
